--- a/ClothesToU.Site/Files/girls.pptx
+++ b/ClothesToU.Site/Files/girls.pptx
@@ -2,12 +2,12 @@
 <file path=ppt/presentation.xml><?xml version="1.0" encoding="utf-8"?>
 <p:presentation xmlns:a="http://schemas.openxmlformats.org/drawingml/2006/main" xmlns:r="http://schemas.openxmlformats.org/officeDocument/2006/relationships" xmlns:p="http://schemas.openxmlformats.org/presentationml/2006/main" saveSubsetFonts="1">
   <p:sldMasterIdLst>
-    <p:sldMasterId id="2147483660" r:id="rId1"/>
+    <p:sldMasterId id="2147483684" r:id="rId1"/>
   </p:sldMasterIdLst>
   <p:sldIdLst>
     <p:sldId id="256" r:id="rId2"/>
   </p:sldIdLst>
-  <p:sldSz cx="7169150" cy="5376863" type="B5ISO"/>
+  <p:sldSz cx="12060238" cy="6858000"/>
   <p:notesSz cx="6858000" cy="9144000"/>
   <p:defaultTextStyle>
     <a:defPPr>
@@ -136,15 +136,15 @@
         </p:nvSpPr>
         <p:spPr>
           <a:xfrm>
-            <a:off x="537686" y="879964"/>
-            <a:ext cx="6093778" cy="1871945"/>
+            <a:off x="1507530" y="1122363"/>
+            <a:ext cx="9045179" cy="2387600"/>
           </a:xfrm>
         </p:spPr>
         <p:txBody>
           <a:bodyPr anchor="b"/>
           <a:lstStyle>
             <a:lvl1pPr algn="ctr">
-              <a:defRPr sz="4704"/>
+              <a:defRPr sz="5935"/>
             </a:lvl1pPr>
           </a:lstStyle>
           <a:p>
@@ -168,8 +168,8 @@
         </p:nvSpPr>
         <p:spPr>
           <a:xfrm>
-            <a:off x="896144" y="2824098"/>
-            <a:ext cx="5376863" cy="1298164"/>
+            <a:off x="1507530" y="3602038"/>
+            <a:ext cx="9045179" cy="1655762"/>
           </a:xfrm>
         </p:spPr>
         <p:txBody>
@@ -177,39 +177,39 @@
           <a:lstStyle>
             <a:lvl1pPr marL="0" indent="0" algn="ctr">
               <a:buNone/>
-              <a:defRPr sz="1882"/>
+              <a:defRPr sz="2374"/>
             </a:lvl1pPr>
-            <a:lvl2pPr marL="358445" indent="0" algn="ctr">
-              <a:buNone/>
-              <a:defRPr sz="1568"/>
+            <a:lvl2pPr marL="452262" indent="0" algn="ctr">
+              <a:buNone/>
+              <a:defRPr sz="1978"/>
             </a:lvl2pPr>
-            <a:lvl3pPr marL="716890" indent="0" algn="ctr">
-              <a:buNone/>
-              <a:defRPr sz="1411"/>
+            <a:lvl3pPr marL="904524" indent="0" algn="ctr">
+              <a:buNone/>
+              <a:defRPr sz="1781"/>
             </a:lvl3pPr>
-            <a:lvl4pPr marL="1075334" indent="0" algn="ctr">
-              <a:buNone/>
-              <a:defRPr sz="1254"/>
+            <a:lvl4pPr marL="1356787" indent="0" algn="ctr">
+              <a:buNone/>
+              <a:defRPr sz="1583"/>
             </a:lvl4pPr>
-            <a:lvl5pPr marL="1433779" indent="0" algn="ctr">
-              <a:buNone/>
-              <a:defRPr sz="1254"/>
+            <a:lvl5pPr marL="1809049" indent="0" algn="ctr">
+              <a:buNone/>
+              <a:defRPr sz="1583"/>
             </a:lvl5pPr>
-            <a:lvl6pPr marL="1792224" indent="0" algn="ctr">
-              <a:buNone/>
-              <a:defRPr sz="1254"/>
+            <a:lvl6pPr marL="2261311" indent="0" algn="ctr">
+              <a:buNone/>
+              <a:defRPr sz="1583"/>
             </a:lvl6pPr>
-            <a:lvl7pPr marL="2150669" indent="0" algn="ctr">
-              <a:buNone/>
-              <a:defRPr sz="1254"/>
+            <a:lvl7pPr marL="2713573" indent="0" algn="ctr">
+              <a:buNone/>
+              <a:defRPr sz="1583"/>
             </a:lvl7pPr>
-            <a:lvl8pPr marL="2509114" indent="0" algn="ctr">
-              <a:buNone/>
-              <a:defRPr sz="1254"/>
+            <a:lvl8pPr marL="3165836" indent="0" algn="ctr">
+              <a:buNone/>
+              <a:defRPr sz="1583"/>
             </a:lvl8pPr>
-            <a:lvl9pPr marL="2867558" indent="0" algn="ctr">
-              <a:buNone/>
-              <a:defRPr sz="1254"/>
+            <a:lvl9pPr marL="3618098" indent="0" algn="ctr">
+              <a:buNone/>
+              <a:defRPr sz="1583"/>
             </a:lvl9pPr>
           </a:lstStyle>
           <a:p>
@@ -289,7 +289,7 @@
     </p:spTree>
     <p:extLst>
       <p:ext uri="{BB962C8B-B14F-4D97-AF65-F5344CB8AC3E}">
-        <p14:creationId xmlns:p14="http://schemas.microsoft.com/office/powerpoint/2010/main" val="133137007"/>
+        <p14:creationId xmlns:p14="http://schemas.microsoft.com/office/powerpoint/2010/main" val="394586965"/>
       </p:ext>
     </p:extLst>
   </p:cSld>
@@ -459,7 +459,7 @@
     </p:spTree>
     <p:extLst>
       <p:ext uri="{BB962C8B-B14F-4D97-AF65-F5344CB8AC3E}">
-        <p14:creationId xmlns:p14="http://schemas.microsoft.com/office/powerpoint/2010/main" val="660844799"/>
+        <p14:creationId xmlns:p14="http://schemas.microsoft.com/office/powerpoint/2010/main" val="2381789998"/>
       </p:ext>
     </p:extLst>
   </p:cSld>
@@ -498,8 +498,8 @@
         </p:nvSpPr>
         <p:spPr>
           <a:xfrm>
-            <a:off x="5130423" y="286268"/>
-            <a:ext cx="1545848" cy="4556643"/>
+            <a:off x="8630608" y="365125"/>
+            <a:ext cx="2600489" cy="5811838"/>
           </a:xfrm>
         </p:spPr>
         <p:txBody>
@@ -526,8 +526,8 @@
         </p:nvSpPr>
         <p:spPr>
           <a:xfrm>
-            <a:off x="492879" y="286268"/>
-            <a:ext cx="4547930" cy="4556643"/>
+            <a:off x="829142" y="365125"/>
+            <a:ext cx="7650713" cy="5811838"/>
           </a:xfrm>
         </p:spPr>
         <p:txBody>
@@ -639,7 +639,7 @@
     </p:spTree>
     <p:extLst>
       <p:ext uri="{BB962C8B-B14F-4D97-AF65-F5344CB8AC3E}">
-        <p14:creationId xmlns:p14="http://schemas.microsoft.com/office/powerpoint/2010/main" val="2589855555"/>
+        <p14:creationId xmlns:p14="http://schemas.microsoft.com/office/powerpoint/2010/main" val="3976664815"/>
       </p:ext>
     </p:extLst>
   </p:cSld>
@@ -809,7 +809,7 @@
     </p:spTree>
     <p:extLst>
       <p:ext uri="{BB962C8B-B14F-4D97-AF65-F5344CB8AC3E}">
-        <p14:creationId xmlns:p14="http://schemas.microsoft.com/office/powerpoint/2010/main" val="636414705"/>
+        <p14:creationId xmlns:p14="http://schemas.microsoft.com/office/powerpoint/2010/main" val="908681707"/>
       </p:ext>
     </p:extLst>
   </p:cSld>
@@ -848,15 +848,15 @@
         </p:nvSpPr>
         <p:spPr>
           <a:xfrm>
-            <a:off x="489145" y="1340484"/>
-            <a:ext cx="6183392" cy="2236625"/>
+            <a:off x="822860" y="1709739"/>
+            <a:ext cx="10401955" cy="2852737"/>
           </a:xfrm>
         </p:spPr>
         <p:txBody>
           <a:bodyPr anchor="b"/>
           <a:lstStyle>
             <a:lvl1pPr>
-              <a:defRPr sz="4704"/>
+              <a:defRPr sz="5935"/>
             </a:lvl1pPr>
           </a:lstStyle>
           <a:p>
@@ -880,8 +880,8 @@
         </p:nvSpPr>
         <p:spPr>
           <a:xfrm>
-            <a:off x="489145" y="3598268"/>
-            <a:ext cx="6183392" cy="1176188"/>
+            <a:off x="822860" y="4589464"/>
+            <a:ext cx="10401955" cy="1500187"/>
           </a:xfrm>
         </p:spPr>
         <p:txBody>
@@ -889,15 +889,17 @@
           <a:lstStyle>
             <a:lvl1pPr marL="0" indent="0">
               <a:buNone/>
-              <a:defRPr sz="1882">
+              <a:defRPr sz="2374">
                 <a:solidFill>
-                  <a:schemeClr val="tx1"/>
+                  <a:schemeClr val="tx1">
+                    <a:tint val="75000"/>
+                  </a:schemeClr>
                 </a:solidFill>
               </a:defRPr>
             </a:lvl1pPr>
-            <a:lvl2pPr marL="358445" indent="0">
-              <a:buNone/>
-              <a:defRPr sz="1568">
+            <a:lvl2pPr marL="452262" indent="0">
+              <a:buNone/>
+              <a:defRPr sz="1978">
                 <a:solidFill>
                   <a:schemeClr val="tx1">
                     <a:tint val="75000"/>
@@ -905,9 +907,9 @@
                 </a:solidFill>
               </a:defRPr>
             </a:lvl2pPr>
-            <a:lvl3pPr marL="716890" indent="0">
-              <a:buNone/>
-              <a:defRPr sz="1411">
+            <a:lvl3pPr marL="904524" indent="0">
+              <a:buNone/>
+              <a:defRPr sz="1781">
                 <a:solidFill>
                   <a:schemeClr val="tx1">
                     <a:tint val="75000"/>
@@ -915,9 +917,9 @@
                 </a:solidFill>
               </a:defRPr>
             </a:lvl3pPr>
-            <a:lvl4pPr marL="1075334" indent="0">
-              <a:buNone/>
-              <a:defRPr sz="1254">
+            <a:lvl4pPr marL="1356787" indent="0">
+              <a:buNone/>
+              <a:defRPr sz="1583">
                 <a:solidFill>
                   <a:schemeClr val="tx1">
                     <a:tint val="75000"/>
@@ -925,9 +927,9 @@
                 </a:solidFill>
               </a:defRPr>
             </a:lvl4pPr>
-            <a:lvl5pPr marL="1433779" indent="0">
-              <a:buNone/>
-              <a:defRPr sz="1254">
+            <a:lvl5pPr marL="1809049" indent="0">
+              <a:buNone/>
+              <a:defRPr sz="1583">
                 <a:solidFill>
                   <a:schemeClr val="tx1">
                     <a:tint val="75000"/>
@@ -935,9 +937,9 @@
                 </a:solidFill>
               </a:defRPr>
             </a:lvl5pPr>
-            <a:lvl6pPr marL="1792224" indent="0">
-              <a:buNone/>
-              <a:defRPr sz="1254">
+            <a:lvl6pPr marL="2261311" indent="0">
+              <a:buNone/>
+              <a:defRPr sz="1583">
                 <a:solidFill>
                   <a:schemeClr val="tx1">
                     <a:tint val="75000"/>
@@ -945,9 +947,9 @@
                 </a:solidFill>
               </a:defRPr>
             </a:lvl6pPr>
-            <a:lvl7pPr marL="2150669" indent="0">
-              <a:buNone/>
-              <a:defRPr sz="1254">
+            <a:lvl7pPr marL="2713573" indent="0">
+              <a:buNone/>
+              <a:defRPr sz="1583">
                 <a:solidFill>
                   <a:schemeClr val="tx1">
                     <a:tint val="75000"/>
@@ -955,9 +957,9 @@
                 </a:solidFill>
               </a:defRPr>
             </a:lvl7pPr>
-            <a:lvl8pPr marL="2509114" indent="0">
-              <a:buNone/>
-              <a:defRPr sz="1254">
+            <a:lvl8pPr marL="3165836" indent="0">
+              <a:buNone/>
+              <a:defRPr sz="1583">
                 <a:solidFill>
                   <a:schemeClr val="tx1">
                     <a:tint val="75000"/>
@@ -965,9 +967,9 @@
                 </a:solidFill>
               </a:defRPr>
             </a:lvl8pPr>
-            <a:lvl9pPr marL="2867558" indent="0">
-              <a:buNone/>
-              <a:defRPr sz="1254">
+            <a:lvl9pPr marL="3618098" indent="0">
+              <a:buNone/>
+              <a:defRPr sz="1583">
                 <a:solidFill>
                   <a:schemeClr val="tx1">
                     <a:tint val="75000"/>
@@ -1053,7 +1055,7 @@
     </p:spTree>
     <p:extLst>
       <p:ext uri="{BB962C8B-B14F-4D97-AF65-F5344CB8AC3E}">
-        <p14:creationId xmlns:p14="http://schemas.microsoft.com/office/powerpoint/2010/main" val="107804277"/>
+        <p14:creationId xmlns:p14="http://schemas.microsoft.com/office/powerpoint/2010/main" val="2320298871"/>
       </p:ext>
     </p:extLst>
   </p:cSld>
@@ -1115,8 +1117,8 @@
         </p:nvSpPr>
         <p:spPr>
           <a:xfrm>
-            <a:off x="492879" y="1431341"/>
-            <a:ext cx="3046889" cy="3411570"/>
+            <a:off x="829141" y="1825625"/>
+            <a:ext cx="5125601" cy="4351338"/>
           </a:xfrm>
         </p:spPr>
         <p:txBody>
@@ -1172,8 +1174,8 @@
         </p:nvSpPr>
         <p:spPr>
           <a:xfrm>
-            <a:off x="3629382" y="1431341"/>
-            <a:ext cx="3046889" cy="3411570"/>
+            <a:off x="6105496" y="1825625"/>
+            <a:ext cx="5125601" cy="4351338"/>
           </a:xfrm>
         </p:spPr>
         <p:txBody>
@@ -1285,7 +1287,7 @@
     </p:spTree>
     <p:extLst>
       <p:ext uri="{BB962C8B-B14F-4D97-AF65-F5344CB8AC3E}">
-        <p14:creationId xmlns:p14="http://schemas.microsoft.com/office/powerpoint/2010/main" val="3109757256"/>
+        <p14:creationId xmlns:p14="http://schemas.microsoft.com/office/powerpoint/2010/main" val="3881405113"/>
       </p:ext>
     </p:extLst>
   </p:cSld>
@@ -1324,8 +1326,8 @@
         </p:nvSpPr>
         <p:spPr>
           <a:xfrm>
-            <a:off x="493813" y="286269"/>
-            <a:ext cx="6183392" cy="1039278"/>
+            <a:off x="830712" y="365126"/>
+            <a:ext cx="10401955" cy="1325563"/>
           </a:xfrm>
         </p:spPr>
         <p:txBody>
@@ -1352,8 +1354,8 @@
         </p:nvSpPr>
         <p:spPr>
           <a:xfrm>
-            <a:off x="493814" y="1318079"/>
-            <a:ext cx="3032886" cy="645970"/>
+            <a:off x="830712" y="1681163"/>
+            <a:ext cx="5102046" cy="823912"/>
           </a:xfrm>
         </p:spPr>
         <p:txBody>
@@ -1361,39 +1363,39 @@
           <a:lstStyle>
             <a:lvl1pPr marL="0" indent="0">
               <a:buNone/>
-              <a:defRPr sz="1882" b="1"/>
+              <a:defRPr sz="2374" b="1"/>
             </a:lvl1pPr>
-            <a:lvl2pPr marL="358445" indent="0">
-              <a:buNone/>
-              <a:defRPr sz="1568" b="1"/>
+            <a:lvl2pPr marL="452262" indent="0">
+              <a:buNone/>
+              <a:defRPr sz="1978" b="1"/>
             </a:lvl2pPr>
-            <a:lvl3pPr marL="716890" indent="0">
-              <a:buNone/>
-              <a:defRPr sz="1411" b="1"/>
+            <a:lvl3pPr marL="904524" indent="0">
+              <a:buNone/>
+              <a:defRPr sz="1781" b="1"/>
             </a:lvl3pPr>
-            <a:lvl4pPr marL="1075334" indent="0">
-              <a:buNone/>
-              <a:defRPr sz="1254" b="1"/>
+            <a:lvl4pPr marL="1356787" indent="0">
+              <a:buNone/>
+              <a:defRPr sz="1583" b="1"/>
             </a:lvl4pPr>
-            <a:lvl5pPr marL="1433779" indent="0">
-              <a:buNone/>
-              <a:defRPr sz="1254" b="1"/>
+            <a:lvl5pPr marL="1809049" indent="0">
+              <a:buNone/>
+              <a:defRPr sz="1583" b="1"/>
             </a:lvl5pPr>
-            <a:lvl6pPr marL="1792224" indent="0">
-              <a:buNone/>
-              <a:defRPr sz="1254" b="1"/>
+            <a:lvl6pPr marL="2261311" indent="0">
+              <a:buNone/>
+              <a:defRPr sz="1583" b="1"/>
             </a:lvl6pPr>
-            <a:lvl7pPr marL="2150669" indent="0">
-              <a:buNone/>
-              <a:defRPr sz="1254" b="1"/>
+            <a:lvl7pPr marL="2713573" indent="0">
+              <a:buNone/>
+              <a:defRPr sz="1583" b="1"/>
             </a:lvl7pPr>
-            <a:lvl8pPr marL="2509114" indent="0">
-              <a:buNone/>
-              <a:defRPr sz="1254" b="1"/>
+            <a:lvl8pPr marL="3165836" indent="0">
+              <a:buNone/>
+              <a:defRPr sz="1583" b="1"/>
             </a:lvl8pPr>
-            <a:lvl9pPr marL="2867558" indent="0">
-              <a:buNone/>
-              <a:defRPr sz="1254" b="1"/>
+            <a:lvl9pPr marL="3618098" indent="0">
+              <a:buNone/>
+              <a:defRPr sz="1583" b="1"/>
             </a:lvl9pPr>
           </a:lstStyle>
           <a:p>
@@ -1417,8 +1419,8 @@
         </p:nvSpPr>
         <p:spPr>
           <a:xfrm>
-            <a:off x="493814" y="1964048"/>
-            <a:ext cx="3032886" cy="2888820"/>
+            <a:off x="830712" y="2505075"/>
+            <a:ext cx="5102046" cy="3684588"/>
           </a:xfrm>
         </p:spPr>
         <p:txBody>
@@ -1474,8 +1476,8 @@
         </p:nvSpPr>
         <p:spPr>
           <a:xfrm>
-            <a:off x="3629382" y="1318079"/>
-            <a:ext cx="3047823" cy="645970"/>
+            <a:off x="6105495" y="1681163"/>
+            <a:ext cx="5127172" cy="823912"/>
           </a:xfrm>
         </p:spPr>
         <p:txBody>
@@ -1483,39 +1485,39 @@
           <a:lstStyle>
             <a:lvl1pPr marL="0" indent="0">
               <a:buNone/>
-              <a:defRPr sz="1882" b="1"/>
+              <a:defRPr sz="2374" b="1"/>
             </a:lvl1pPr>
-            <a:lvl2pPr marL="358445" indent="0">
-              <a:buNone/>
-              <a:defRPr sz="1568" b="1"/>
+            <a:lvl2pPr marL="452262" indent="0">
+              <a:buNone/>
+              <a:defRPr sz="1978" b="1"/>
             </a:lvl2pPr>
-            <a:lvl3pPr marL="716890" indent="0">
-              <a:buNone/>
-              <a:defRPr sz="1411" b="1"/>
+            <a:lvl3pPr marL="904524" indent="0">
+              <a:buNone/>
+              <a:defRPr sz="1781" b="1"/>
             </a:lvl3pPr>
-            <a:lvl4pPr marL="1075334" indent="0">
-              <a:buNone/>
-              <a:defRPr sz="1254" b="1"/>
+            <a:lvl4pPr marL="1356787" indent="0">
+              <a:buNone/>
+              <a:defRPr sz="1583" b="1"/>
             </a:lvl4pPr>
-            <a:lvl5pPr marL="1433779" indent="0">
-              <a:buNone/>
-              <a:defRPr sz="1254" b="1"/>
+            <a:lvl5pPr marL="1809049" indent="0">
+              <a:buNone/>
+              <a:defRPr sz="1583" b="1"/>
             </a:lvl5pPr>
-            <a:lvl6pPr marL="1792224" indent="0">
-              <a:buNone/>
-              <a:defRPr sz="1254" b="1"/>
+            <a:lvl6pPr marL="2261311" indent="0">
+              <a:buNone/>
+              <a:defRPr sz="1583" b="1"/>
             </a:lvl6pPr>
-            <a:lvl7pPr marL="2150669" indent="0">
-              <a:buNone/>
-              <a:defRPr sz="1254" b="1"/>
+            <a:lvl7pPr marL="2713573" indent="0">
+              <a:buNone/>
+              <a:defRPr sz="1583" b="1"/>
             </a:lvl7pPr>
-            <a:lvl8pPr marL="2509114" indent="0">
-              <a:buNone/>
-              <a:defRPr sz="1254" b="1"/>
+            <a:lvl8pPr marL="3165836" indent="0">
+              <a:buNone/>
+              <a:defRPr sz="1583" b="1"/>
             </a:lvl8pPr>
-            <a:lvl9pPr marL="2867558" indent="0">
-              <a:buNone/>
-              <a:defRPr sz="1254" b="1"/>
+            <a:lvl9pPr marL="3618098" indent="0">
+              <a:buNone/>
+              <a:defRPr sz="1583" b="1"/>
             </a:lvl9pPr>
           </a:lstStyle>
           <a:p>
@@ -1539,8 +1541,8 @@
         </p:nvSpPr>
         <p:spPr>
           <a:xfrm>
-            <a:off x="3629382" y="1964048"/>
-            <a:ext cx="3047823" cy="2888820"/>
+            <a:off x="6105495" y="2505075"/>
+            <a:ext cx="5127172" cy="3684588"/>
           </a:xfrm>
         </p:spPr>
         <p:txBody>
@@ -1652,7 +1654,7 @@
     </p:spTree>
     <p:extLst>
       <p:ext uri="{BB962C8B-B14F-4D97-AF65-F5344CB8AC3E}">
-        <p14:creationId xmlns:p14="http://schemas.microsoft.com/office/powerpoint/2010/main" val="3539111042"/>
+        <p14:creationId xmlns:p14="http://schemas.microsoft.com/office/powerpoint/2010/main" val="1451858850"/>
       </p:ext>
     </p:extLst>
   </p:cSld>
@@ -1770,7 +1772,7 @@
     </p:spTree>
     <p:extLst>
       <p:ext uri="{BB962C8B-B14F-4D97-AF65-F5344CB8AC3E}">
-        <p14:creationId xmlns:p14="http://schemas.microsoft.com/office/powerpoint/2010/main" val="2884974534"/>
+        <p14:creationId xmlns:p14="http://schemas.microsoft.com/office/powerpoint/2010/main" val="3403376681"/>
       </p:ext>
     </p:extLst>
   </p:cSld>
@@ -1865,7 +1867,7 @@
     </p:spTree>
     <p:extLst>
       <p:ext uri="{BB962C8B-B14F-4D97-AF65-F5344CB8AC3E}">
-        <p14:creationId xmlns:p14="http://schemas.microsoft.com/office/powerpoint/2010/main" val="3777779629"/>
+        <p14:creationId xmlns:p14="http://schemas.microsoft.com/office/powerpoint/2010/main" val="3558937393"/>
       </p:ext>
     </p:extLst>
   </p:cSld>
@@ -1904,15 +1906,15 @@
         </p:nvSpPr>
         <p:spPr>
           <a:xfrm>
-            <a:off x="493813" y="358458"/>
-            <a:ext cx="2312237" cy="1254601"/>
+            <a:off x="830713" y="457200"/>
+            <a:ext cx="3889740" cy="1600200"/>
           </a:xfrm>
         </p:spPr>
         <p:txBody>
           <a:bodyPr anchor="b"/>
           <a:lstStyle>
             <a:lvl1pPr>
-              <a:defRPr sz="2509"/>
+              <a:defRPr sz="3165"/>
             </a:lvl1pPr>
           </a:lstStyle>
           <a:p>
@@ -1936,39 +1938,39 @@
         </p:nvSpPr>
         <p:spPr>
           <a:xfrm>
-            <a:off x="3047823" y="774170"/>
-            <a:ext cx="3629382" cy="3821058"/>
+            <a:off x="5127172" y="987426"/>
+            <a:ext cx="6105495" cy="4873625"/>
           </a:xfrm>
         </p:spPr>
         <p:txBody>
           <a:bodyPr/>
           <a:lstStyle>
             <a:lvl1pPr>
-              <a:defRPr sz="2509"/>
+              <a:defRPr sz="3165"/>
             </a:lvl1pPr>
             <a:lvl2pPr>
-              <a:defRPr sz="2195"/>
+              <a:defRPr sz="2770"/>
             </a:lvl2pPr>
             <a:lvl3pPr>
-              <a:defRPr sz="1882"/>
+              <a:defRPr sz="2374"/>
             </a:lvl3pPr>
             <a:lvl4pPr>
-              <a:defRPr sz="1568"/>
+              <a:defRPr sz="1978"/>
             </a:lvl4pPr>
             <a:lvl5pPr>
-              <a:defRPr sz="1568"/>
+              <a:defRPr sz="1978"/>
             </a:lvl5pPr>
             <a:lvl6pPr>
-              <a:defRPr sz="1568"/>
+              <a:defRPr sz="1978"/>
             </a:lvl6pPr>
             <a:lvl7pPr>
-              <a:defRPr sz="1568"/>
+              <a:defRPr sz="1978"/>
             </a:lvl7pPr>
             <a:lvl8pPr>
-              <a:defRPr sz="1568"/>
+              <a:defRPr sz="1978"/>
             </a:lvl8pPr>
             <a:lvl9pPr>
-              <a:defRPr sz="1568"/>
+              <a:defRPr sz="1978"/>
             </a:lvl9pPr>
           </a:lstStyle>
           <a:p>
@@ -2021,8 +2023,8 @@
         </p:nvSpPr>
         <p:spPr>
           <a:xfrm>
-            <a:off x="493813" y="1613059"/>
-            <a:ext cx="2312237" cy="2988391"/>
+            <a:off x="830713" y="2057400"/>
+            <a:ext cx="3889740" cy="3811588"/>
           </a:xfrm>
         </p:spPr>
         <p:txBody>
@@ -2030,39 +2032,39 @@
           <a:lstStyle>
             <a:lvl1pPr marL="0" indent="0">
               <a:buNone/>
-              <a:defRPr sz="1254"/>
+              <a:defRPr sz="1583"/>
             </a:lvl1pPr>
-            <a:lvl2pPr marL="358445" indent="0">
-              <a:buNone/>
-              <a:defRPr sz="1098"/>
+            <a:lvl2pPr marL="452262" indent="0">
+              <a:buNone/>
+              <a:defRPr sz="1385"/>
             </a:lvl2pPr>
-            <a:lvl3pPr marL="716890" indent="0">
-              <a:buNone/>
-              <a:defRPr sz="941"/>
+            <a:lvl3pPr marL="904524" indent="0">
+              <a:buNone/>
+              <a:defRPr sz="1187"/>
             </a:lvl3pPr>
-            <a:lvl4pPr marL="1075334" indent="0">
-              <a:buNone/>
-              <a:defRPr sz="784"/>
+            <a:lvl4pPr marL="1356787" indent="0">
+              <a:buNone/>
+              <a:defRPr sz="989"/>
             </a:lvl4pPr>
-            <a:lvl5pPr marL="1433779" indent="0">
-              <a:buNone/>
-              <a:defRPr sz="784"/>
+            <a:lvl5pPr marL="1809049" indent="0">
+              <a:buNone/>
+              <a:defRPr sz="989"/>
             </a:lvl5pPr>
-            <a:lvl6pPr marL="1792224" indent="0">
-              <a:buNone/>
-              <a:defRPr sz="784"/>
+            <a:lvl6pPr marL="2261311" indent="0">
+              <a:buNone/>
+              <a:defRPr sz="989"/>
             </a:lvl6pPr>
-            <a:lvl7pPr marL="2150669" indent="0">
-              <a:buNone/>
-              <a:defRPr sz="784"/>
+            <a:lvl7pPr marL="2713573" indent="0">
+              <a:buNone/>
+              <a:defRPr sz="989"/>
             </a:lvl7pPr>
-            <a:lvl8pPr marL="2509114" indent="0">
-              <a:buNone/>
-              <a:defRPr sz="784"/>
+            <a:lvl8pPr marL="3165836" indent="0">
+              <a:buNone/>
+              <a:defRPr sz="989"/>
             </a:lvl8pPr>
-            <a:lvl9pPr marL="2867558" indent="0">
-              <a:buNone/>
-              <a:defRPr sz="784"/>
+            <a:lvl9pPr marL="3618098" indent="0">
+              <a:buNone/>
+              <a:defRPr sz="989"/>
             </a:lvl9pPr>
           </a:lstStyle>
           <a:p>
@@ -2142,7 +2144,7 @@
     </p:spTree>
     <p:extLst>
       <p:ext uri="{BB962C8B-B14F-4D97-AF65-F5344CB8AC3E}">
-        <p14:creationId xmlns:p14="http://schemas.microsoft.com/office/powerpoint/2010/main" val="1457387901"/>
+        <p14:creationId xmlns:p14="http://schemas.microsoft.com/office/powerpoint/2010/main" val="1523933206"/>
       </p:ext>
     </p:extLst>
   </p:cSld>
@@ -2181,15 +2183,15 @@
         </p:nvSpPr>
         <p:spPr>
           <a:xfrm>
-            <a:off x="493813" y="358458"/>
-            <a:ext cx="2312237" cy="1254601"/>
+            <a:off x="830713" y="457200"/>
+            <a:ext cx="3889740" cy="1600200"/>
           </a:xfrm>
         </p:spPr>
         <p:txBody>
           <a:bodyPr anchor="b"/>
           <a:lstStyle>
             <a:lvl1pPr>
-              <a:defRPr sz="2509"/>
+              <a:defRPr sz="3165"/>
             </a:lvl1pPr>
           </a:lstStyle>
           <a:p>
@@ -2213,8 +2215,8 @@
         </p:nvSpPr>
         <p:spPr>
           <a:xfrm>
-            <a:off x="3047823" y="774170"/>
-            <a:ext cx="3629382" cy="3821058"/>
+            <a:off x="5127172" y="987426"/>
+            <a:ext cx="6105495" cy="4873625"/>
           </a:xfrm>
         </p:spPr>
         <p:txBody>
@@ -2222,39 +2224,39 @@
           <a:lstStyle>
             <a:lvl1pPr marL="0" indent="0">
               <a:buNone/>
-              <a:defRPr sz="2509"/>
+              <a:defRPr sz="3165"/>
             </a:lvl1pPr>
-            <a:lvl2pPr marL="358445" indent="0">
-              <a:buNone/>
-              <a:defRPr sz="2195"/>
+            <a:lvl2pPr marL="452262" indent="0">
+              <a:buNone/>
+              <a:defRPr sz="2770"/>
             </a:lvl2pPr>
-            <a:lvl3pPr marL="716890" indent="0">
-              <a:buNone/>
-              <a:defRPr sz="1882"/>
+            <a:lvl3pPr marL="904524" indent="0">
+              <a:buNone/>
+              <a:defRPr sz="2374"/>
             </a:lvl3pPr>
-            <a:lvl4pPr marL="1075334" indent="0">
-              <a:buNone/>
-              <a:defRPr sz="1568"/>
+            <a:lvl4pPr marL="1356787" indent="0">
+              <a:buNone/>
+              <a:defRPr sz="1978"/>
             </a:lvl4pPr>
-            <a:lvl5pPr marL="1433779" indent="0">
-              <a:buNone/>
-              <a:defRPr sz="1568"/>
+            <a:lvl5pPr marL="1809049" indent="0">
+              <a:buNone/>
+              <a:defRPr sz="1978"/>
             </a:lvl5pPr>
-            <a:lvl6pPr marL="1792224" indent="0">
-              <a:buNone/>
-              <a:defRPr sz="1568"/>
+            <a:lvl6pPr marL="2261311" indent="0">
+              <a:buNone/>
+              <a:defRPr sz="1978"/>
             </a:lvl6pPr>
-            <a:lvl7pPr marL="2150669" indent="0">
-              <a:buNone/>
-              <a:defRPr sz="1568"/>
+            <a:lvl7pPr marL="2713573" indent="0">
+              <a:buNone/>
+              <a:defRPr sz="1978"/>
             </a:lvl7pPr>
-            <a:lvl8pPr marL="2509114" indent="0">
-              <a:buNone/>
-              <a:defRPr sz="1568"/>
+            <a:lvl8pPr marL="3165836" indent="0">
+              <a:buNone/>
+              <a:defRPr sz="1978"/>
             </a:lvl8pPr>
-            <a:lvl9pPr marL="2867558" indent="0">
-              <a:buNone/>
-              <a:defRPr sz="1568"/>
+            <a:lvl9pPr marL="3618098" indent="0">
+              <a:buNone/>
+              <a:defRPr sz="1978"/>
             </a:lvl9pPr>
           </a:lstStyle>
           <a:p>
@@ -2278,8 +2280,8 @@
         </p:nvSpPr>
         <p:spPr>
           <a:xfrm>
-            <a:off x="493813" y="1613059"/>
-            <a:ext cx="2312237" cy="2988391"/>
+            <a:off x="830713" y="2057400"/>
+            <a:ext cx="3889740" cy="3811588"/>
           </a:xfrm>
         </p:spPr>
         <p:txBody>
@@ -2287,39 +2289,39 @@
           <a:lstStyle>
             <a:lvl1pPr marL="0" indent="0">
               <a:buNone/>
-              <a:defRPr sz="1254"/>
+              <a:defRPr sz="1583"/>
             </a:lvl1pPr>
-            <a:lvl2pPr marL="358445" indent="0">
-              <a:buNone/>
-              <a:defRPr sz="1098"/>
+            <a:lvl2pPr marL="452262" indent="0">
+              <a:buNone/>
+              <a:defRPr sz="1385"/>
             </a:lvl2pPr>
-            <a:lvl3pPr marL="716890" indent="0">
-              <a:buNone/>
-              <a:defRPr sz="941"/>
+            <a:lvl3pPr marL="904524" indent="0">
+              <a:buNone/>
+              <a:defRPr sz="1187"/>
             </a:lvl3pPr>
-            <a:lvl4pPr marL="1075334" indent="0">
-              <a:buNone/>
-              <a:defRPr sz="784"/>
+            <a:lvl4pPr marL="1356787" indent="0">
+              <a:buNone/>
+              <a:defRPr sz="989"/>
             </a:lvl4pPr>
-            <a:lvl5pPr marL="1433779" indent="0">
-              <a:buNone/>
-              <a:defRPr sz="784"/>
+            <a:lvl5pPr marL="1809049" indent="0">
+              <a:buNone/>
+              <a:defRPr sz="989"/>
             </a:lvl5pPr>
-            <a:lvl6pPr marL="1792224" indent="0">
-              <a:buNone/>
-              <a:defRPr sz="784"/>
+            <a:lvl6pPr marL="2261311" indent="0">
+              <a:buNone/>
+              <a:defRPr sz="989"/>
             </a:lvl6pPr>
-            <a:lvl7pPr marL="2150669" indent="0">
-              <a:buNone/>
-              <a:defRPr sz="784"/>
+            <a:lvl7pPr marL="2713573" indent="0">
+              <a:buNone/>
+              <a:defRPr sz="989"/>
             </a:lvl7pPr>
-            <a:lvl8pPr marL="2509114" indent="0">
-              <a:buNone/>
-              <a:defRPr sz="784"/>
+            <a:lvl8pPr marL="3165836" indent="0">
+              <a:buNone/>
+              <a:defRPr sz="989"/>
             </a:lvl8pPr>
-            <a:lvl9pPr marL="2867558" indent="0">
-              <a:buNone/>
-              <a:defRPr sz="784"/>
+            <a:lvl9pPr marL="3618098" indent="0">
+              <a:buNone/>
+              <a:defRPr sz="989"/>
             </a:lvl9pPr>
           </a:lstStyle>
           <a:p>
@@ -2399,7 +2401,7 @@
     </p:spTree>
     <p:extLst>
       <p:ext uri="{BB962C8B-B14F-4D97-AF65-F5344CB8AC3E}">
-        <p14:creationId xmlns:p14="http://schemas.microsoft.com/office/powerpoint/2010/main" val="100471952"/>
+        <p14:creationId xmlns:p14="http://schemas.microsoft.com/office/powerpoint/2010/main" val="3623287120"/>
       </p:ext>
     </p:extLst>
   </p:cSld>
@@ -2443,8 +2445,8 @@
         </p:nvSpPr>
         <p:spPr>
           <a:xfrm>
-            <a:off x="492879" y="286269"/>
-            <a:ext cx="6183392" cy="1039278"/>
+            <a:off x="829142" y="365126"/>
+            <a:ext cx="10401955" cy="1325563"/>
           </a:xfrm>
           <a:prstGeom prst="rect">
             <a:avLst/>
@@ -2476,8 +2478,8 @@
         </p:nvSpPr>
         <p:spPr>
           <a:xfrm>
-            <a:off x="492879" y="1431341"/>
-            <a:ext cx="6183392" cy="3411570"/>
+            <a:off x="829142" y="1825625"/>
+            <a:ext cx="10401955" cy="4351338"/>
           </a:xfrm>
           <a:prstGeom prst="rect">
             <a:avLst/>
@@ -2538,8 +2540,8 @@
         </p:nvSpPr>
         <p:spPr>
           <a:xfrm>
-            <a:off x="492879" y="4983557"/>
-            <a:ext cx="1613059" cy="286268"/>
+            <a:off x="829141" y="6356351"/>
+            <a:ext cx="2713554" cy="365125"/>
           </a:xfrm>
           <a:prstGeom prst="rect">
             <a:avLst/>
@@ -2549,7 +2551,7 @@
           <a:bodyPr vert="horz" lIns="91440" tIns="45720" rIns="91440" bIns="45720" rtlCol="0" anchor="ctr"/>
           <a:lstStyle>
             <a:lvl1pPr algn="l">
-              <a:defRPr sz="941">
+              <a:defRPr sz="1187">
                 <a:solidFill>
                   <a:schemeClr val="tx1">
                     <a:tint val="75000"/>
@@ -2579,8 +2581,8 @@
         </p:nvSpPr>
         <p:spPr>
           <a:xfrm>
-            <a:off x="2374781" y="4983557"/>
-            <a:ext cx="2419588" cy="286268"/>
+            <a:off x="3994954" y="6356351"/>
+            <a:ext cx="4070330" cy="365125"/>
           </a:xfrm>
           <a:prstGeom prst="rect">
             <a:avLst/>
@@ -2590,7 +2592,7 @@
           <a:bodyPr vert="horz" lIns="91440" tIns="45720" rIns="91440" bIns="45720" rtlCol="0" anchor="ctr"/>
           <a:lstStyle>
             <a:lvl1pPr algn="ctr">
-              <a:defRPr sz="941">
+              <a:defRPr sz="1187">
                 <a:solidFill>
                   <a:schemeClr val="tx1">
                     <a:tint val="75000"/>
@@ -2616,8 +2618,8 @@
         </p:nvSpPr>
         <p:spPr>
           <a:xfrm>
-            <a:off x="5063212" y="4983557"/>
-            <a:ext cx="1613059" cy="286268"/>
+            <a:off x="8517543" y="6356351"/>
+            <a:ext cx="2713554" cy="365125"/>
           </a:xfrm>
           <a:prstGeom prst="rect">
             <a:avLst/>
@@ -2627,7 +2629,7 @@
           <a:bodyPr vert="horz" lIns="91440" tIns="45720" rIns="91440" bIns="45720" rtlCol="0" anchor="ctr"/>
           <a:lstStyle>
             <a:lvl1pPr algn="r">
-              <a:defRPr sz="941">
+              <a:defRPr sz="1187">
                 <a:solidFill>
                   <a:schemeClr val="tx1">
                     <a:tint val="75000"/>
@@ -2648,27 +2650,27 @@
     </p:spTree>
     <p:extLst>
       <p:ext uri="{BB962C8B-B14F-4D97-AF65-F5344CB8AC3E}">
-        <p14:creationId xmlns:p14="http://schemas.microsoft.com/office/powerpoint/2010/main" val="1649891668"/>
+        <p14:creationId xmlns:p14="http://schemas.microsoft.com/office/powerpoint/2010/main" val="2240151814"/>
       </p:ext>
     </p:extLst>
   </p:cSld>
   <p:clrMap bg1="lt1" tx1="dk1" bg2="lt2" tx2="dk2" accent1="accent1" accent2="accent2" accent3="accent3" accent4="accent4" accent5="accent5" accent6="accent6" hlink="hlink" folHlink="folHlink"/>
   <p:sldLayoutIdLst>
-    <p:sldLayoutId id="2147483661" r:id="rId1"/>
-    <p:sldLayoutId id="2147483662" r:id="rId2"/>
-    <p:sldLayoutId id="2147483663" r:id="rId3"/>
-    <p:sldLayoutId id="2147483664" r:id="rId4"/>
-    <p:sldLayoutId id="2147483665" r:id="rId5"/>
-    <p:sldLayoutId id="2147483666" r:id="rId6"/>
-    <p:sldLayoutId id="2147483667" r:id="rId7"/>
-    <p:sldLayoutId id="2147483668" r:id="rId8"/>
-    <p:sldLayoutId id="2147483669" r:id="rId9"/>
-    <p:sldLayoutId id="2147483670" r:id="rId10"/>
-    <p:sldLayoutId id="2147483671" r:id="rId11"/>
+    <p:sldLayoutId id="2147483685" r:id="rId1"/>
+    <p:sldLayoutId id="2147483686" r:id="rId2"/>
+    <p:sldLayoutId id="2147483687" r:id="rId3"/>
+    <p:sldLayoutId id="2147483688" r:id="rId4"/>
+    <p:sldLayoutId id="2147483689" r:id="rId5"/>
+    <p:sldLayoutId id="2147483690" r:id="rId6"/>
+    <p:sldLayoutId id="2147483691" r:id="rId7"/>
+    <p:sldLayoutId id="2147483692" r:id="rId8"/>
+    <p:sldLayoutId id="2147483693" r:id="rId9"/>
+    <p:sldLayoutId id="2147483694" r:id="rId10"/>
+    <p:sldLayoutId id="2147483695" r:id="rId11"/>
   </p:sldLayoutIdLst>
   <p:txStyles>
     <p:titleStyle>
-      <a:lvl1pPr algn="l" defTabSz="716890" rtl="0" eaLnBrk="1" latinLnBrk="0" hangingPunct="1">
+      <a:lvl1pPr algn="l" defTabSz="904524" rtl="0" eaLnBrk="1" latinLnBrk="0" hangingPunct="1">
         <a:lnSpc>
           <a:spcPct val="90000"/>
         </a:lnSpc>
@@ -2676,7 +2678,7 @@
           <a:spcPct val="0"/>
         </a:spcBef>
         <a:buNone/>
-        <a:defRPr sz="3450" kern="1200">
+        <a:defRPr sz="4352" kern="1200">
           <a:solidFill>
             <a:schemeClr val="tx1"/>
           </a:solidFill>
@@ -2687,16 +2689,16 @@
       </a:lvl1pPr>
     </p:titleStyle>
     <p:bodyStyle>
-      <a:lvl1pPr marL="179222" indent="-179222" algn="l" defTabSz="716890" rtl="0" eaLnBrk="1" latinLnBrk="0" hangingPunct="1">
+      <a:lvl1pPr marL="226131" indent="-226131" algn="l" defTabSz="904524" rtl="0" eaLnBrk="1" latinLnBrk="0" hangingPunct="1">
         <a:lnSpc>
           <a:spcPct val="90000"/>
         </a:lnSpc>
         <a:spcBef>
-          <a:spcPts val="784"/>
+          <a:spcPts val="989"/>
         </a:spcBef>
         <a:buFont typeface="Arial" panose="020B0604020202020204" pitchFamily="34" charset="0"/>
         <a:buChar char="•"/>
-        <a:defRPr sz="2195" kern="1200">
+        <a:defRPr sz="2770" kern="1200">
           <a:solidFill>
             <a:schemeClr val="tx1"/>
           </a:solidFill>
@@ -2705,16 +2707,16 @@
           <a:cs typeface="+mn-cs"/>
         </a:defRPr>
       </a:lvl1pPr>
-      <a:lvl2pPr marL="537667" indent="-179222" algn="l" defTabSz="716890" rtl="0" eaLnBrk="1" latinLnBrk="0" hangingPunct="1">
+      <a:lvl2pPr marL="678393" indent="-226131" algn="l" defTabSz="904524" rtl="0" eaLnBrk="1" latinLnBrk="0" hangingPunct="1">
         <a:lnSpc>
           <a:spcPct val="90000"/>
         </a:lnSpc>
         <a:spcBef>
-          <a:spcPts val="392"/>
+          <a:spcPts val="495"/>
         </a:spcBef>
         <a:buFont typeface="Arial" panose="020B0604020202020204" pitchFamily="34" charset="0"/>
         <a:buChar char="•"/>
-        <a:defRPr sz="1882" kern="1200">
+        <a:defRPr sz="2374" kern="1200">
           <a:solidFill>
             <a:schemeClr val="tx1"/>
           </a:solidFill>
@@ -2723,16 +2725,16 @@
           <a:cs typeface="+mn-cs"/>
         </a:defRPr>
       </a:lvl2pPr>
-      <a:lvl3pPr marL="896112" indent="-179222" algn="l" defTabSz="716890" rtl="0" eaLnBrk="1" latinLnBrk="0" hangingPunct="1">
+      <a:lvl3pPr marL="1130656" indent="-226131" algn="l" defTabSz="904524" rtl="0" eaLnBrk="1" latinLnBrk="0" hangingPunct="1">
         <a:lnSpc>
           <a:spcPct val="90000"/>
         </a:lnSpc>
         <a:spcBef>
-          <a:spcPts val="392"/>
+          <a:spcPts val="495"/>
         </a:spcBef>
         <a:buFont typeface="Arial" panose="020B0604020202020204" pitchFamily="34" charset="0"/>
         <a:buChar char="•"/>
-        <a:defRPr sz="1568" kern="1200">
+        <a:defRPr sz="1978" kern="1200">
           <a:solidFill>
             <a:schemeClr val="tx1"/>
           </a:solidFill>
@@ -2741,16 +2743,16 @@
           <a:cs typeface="+mn-cs"/>
         </a:defRPr>
       </a:lvl3pPr>
-      <a:lvl4pPr marL="1254557" indent="-179222" algn="l" defTabSz="716890" rtl="0" eaLnBrk="1" latinLnBrk="0" hangingPunct="1">
+      <a:lvl4pPr marL="1582918" indent="-226131" algn="l" defTabSz="904524" rtl="0" eaLnBrk="1" latinLnBrk="0" hangingPunct="1">
         <a:lnSpc>
           <a:spcPct val="90000"/>
         </a:lnSpc>
         <a:spcBef>
-          <a:spcPts val="392"/>
+          <a:spcPts val="495"/>
         </a:spcBef>
         <a:buFont typeface="Arial" panose="020B0604020202020204" pitchFamily="34" charset="0"/>
         <a:buChar char="•"/>
-        <a:defRPr sz="1411" kern="1200">
+        <a:defRPr sz="1781" kern="1200">
           <a:solidFill>
             <a:schemeClr val="tx1"/>
           </a:solidFill>
@@ -2759,16 +2761,16 @@
           <a:cs typeface="+mn-cs"/>
         </a:defRPr>
       </a:lvl4pPr>
-      <a:lvl5pPr marL="1613002" indent="-179222" algn="l" defTabSz="716890" rtl="0" eaLnBrk="1" latinLnBrk="0" hangingPunct="1">
+      <a:lvl5pPr marL="2035180" indent="-226131" algn="l" defTabSz="904524" rtl="0" eaLnBrk="1" latinLnBrk="0" hangingPunct="1">
         <a:lnSpc>
           <a:spcPct val="90000"/>
         </a:lnSpc>
         <a:spcBef>
-          <a:spcPts val="392"/>
+          <a:spcPts val="495"/>
         </a:spcBef>
         <a:buFont typeface="Arial" panose="020B0604020202020204" pitchFamily="34" charset="0"/>
         <a:buChar char="•"/>
-        <a:defRPr sz="1411" kern="1200">
+        <a:defRPr sz="1781" kern="1200">
           <a:solidFill>
             <a:schemeClr val="tx1"/>
           </a:solidFill>
@@ -2777,16 +2779,16 @@
           <a:cs typeface="+mn-cs"/>
         </a:defRPr>
       </a:lvl5pPr>
-      <a:lvl6pPr marL="1971446" indent="-179222" algn="l" defTabSz="716890" rtl="0" eaLnBrk="1" latinLnBrk="0" hangingPunct="1">
+      <a:lvl6pPr marL="2487442" indent="-226131" algn="l" defTabSz="904524" rtl="0" eaLnBrk="1" latinLnBrk="0" hangingPunct="1">
         <a:lnSpc>
           <a:spcPct val="90000"/>
         </a:lnSpc>
         <a:spcBef>
-          <a:spcPts val="392"/>
+          <a:spcPts val="495"/>
         </a:spcBef>
         <a:buFont typeface="Arial" panose="020B0604020202020204" pitchFamily="34" charset="0"/>
         <a:buChar char="•"/>
-        <a:defRPr sz="1411" kern="1200">
+        <a:defRPr sz="1781" kern="1200">
           <a:solidFill>
             <a:schemeClr val="tx1"/>
           </a:solidFill>
@@ -2795,16 +2797,16 @@
           <a:cs typeface="+mn-cs"/>
         </a:defRPr>
       </a:lvl6pPr>
-      <a:lvl7pPr marL="2329891" indent="-179222" algn="l" defTabSz="716890" rtl="0" eaLnBrk="1" latinLnBrk="0" hangingPunct="1">
+      <a:lvl7pPr marL="2939705" indent="-226131" algn="l" defTabSz="904524" rtl="0" eaLnBrk="1" latinLnBrk="0" hangingPunct="1">
         <a:lnSpc>
           <a:spcPct val="90000"/>
         </a:lnSpc>
         <a:spcBef>
-          <a:spcPts val="392"/>
+          <a:spcPts val="495"/>
         </a:spcBef>
         <a:buFont typeface="Arial" panose="020B0604020202020204" pitchFamily="34" charset="0"/>
         <a:buChar char="•"/>
-        <a:defRPr sz="1411" kern="1200">
+        <a:defRPr sz="1781" kern="1200">
           <a:solidFill>
             <a:schemeClr val="tx1"/>
           </a:solidFill>
@@ -2813,16 +2815,16 @@
           <a:cs typeface="+mn-cs"/>
         </a:defRPr>
       </a:lvl7pPr>
-      <a:lvl8pPr marL="2688336" indent="-179222" algn="l" defTabSz="716890" rtl="0" eaLnBrk="1" latinLnBrk="0" hangingPunct="1">
+      <a:lvl8pPr marL="3391967" indent="-226131" algn="l" defTabSz="904524" rtl="0" eaLnBrk="1" latinLnBrk="0" hangingPunct="1">
         <a:lnSpc>
           <a:spcPct val="90000"/>
         </a:lnSpc>
         <a:spcBef>
-          <a:spcPts val="392"/>
+          <a:spcPts val="495"/>
         </a:spcBef>
         <a:buFont typeface="Arial" panose="020B0604020202020204" pitchFamily="34" charset="0"/>
         <a:buChar char="•"/>
-        <a:defRPr sz="1411" kern="1200">
+        <a:defRPr sz="1781" kern="1200">
           <a:solidFill>
             <a:schemeClr val="tx1"/>
           </a:solidFill>
@@ -2831,16 +2833,16 @@
           <a:cs typeface="+mn-cs"/>
         </a:defRPr>
       </a:lvl8pPr>
-      <a:lvl9pPr marL="3046781" indent="-179222" algn="l" defTabSz="716890" rtl="0" eaLnBrk="1" latinLnBrk="0" hangingPunct="1">
+      <a:lvl9pPr marL="3844229" indent="-226131" algn="l" defTabSz="904524" rtl="0" eaLnBrk="1" latinLnBrk="0" hangingPunct="1">
         <a:lnSpc>
           <a:spcPct val="90000"/>
         </a:lnSpc>
         <a:spcBef>
-          <a:spcPts val="392"/>
+          <a:spcPts val="495"/>
         </a:spcBef>
         <a:buFont typeface="Arial" panose="020B0604020202020204" pitchFamily="34" charset="0"/>
         <a:buChar char="•"/>
-        <a:defRPr sz="1411" kern="1200">
+        <a:defRPr sz="1781" kern="1200">
           <a:solidFill>
             <a:schemeClr val="tx1"/>
           </a:solidFill>
@@ -2854,8 +2856,8 @@
       <a:defPPr>
         <a:defRPr lang="en-US"/>
       </a:defPPr>
-      <a:lvl1pPr marL="0" algn="l" defTabSz="716890" rtl="0" eaLnBrk="1" latinLnBrk="0" hangingPunct="1">
-        <a:defRPr sz="1411" kern="1200">
+      <a:lvl1pPr marL="0" algn="l" defTabSz="904524" rtl="0" eaLnBrk="1" latinLnBrk="0" hangingPunct="1">
+        <a:defRPr sz="1781" kern="1200">
           <a:solidFill>
             <a:schemeClr val="tx1"/>
           </a:solidFill>
@@ -2864,8 +2866,8 @@
           <a:cs typeface="+mn-cs"/>
         </a:defRPr>
       </a:lvl1pPr>
-      <a:lvl2pPr marL="358445" algn="l" defTabSz="716890" rtl="0" eaLnBrk="1" latinLnBrk="0" hangingPunct="1">
-        <a:defRPr sz="1411" kern="1200">
+      <a:lvl2pPr marL="452262" algn="l" defTabSz="904524" rtl="0" eaLnBrk="1" latinLnBrk="0" hangingPunct="1">
+        <a:defRPr sz="1781" kern="1200">
           <a:solidFill>
             <a:schemeClr val="tx1"/>
           </a:solidFill>
@@ -2874,8 +2876,8 @@
           <a:cs typeface="+mn-cs"/>
         </a:defRPr>
       </a:lvl2pPr>
-      <a:lvl3pPr marL="716890" algn="l" defTabSz="716890" rtl="0" eaLnBrk="1" latinLnBrk="0" hangingPunct="1">
-        <a:defRPr sz="1411" kern="1200">
+      <a:lvl3pPr marL="904524" algn="l" defTabSz="904524" rtl="0" eaLnBrk="1" latinLnBrk="0" hangingPunct="1">
+        <a:defRPr sz="1781" kern="1200">
           <a:solidFill>
             <a:schemeClr val="tx1"/>
           </a:solidFill>
@@ -2884,8 +2886,8 @@
           <a:cs typeface="+mn-cs"/>
         </a:defRPr>
       </a:lvl3pPr>
-      <a:lvl4pPr marL="1075334" algn="l" defTabSz="716890" rtl="0" eaLnBrk="1" latinLnBrk="0" hangingPunct="1">
-        <a:defRPr sz="1411" kern="1200">
+      <a:lvl4pPr marL="1356787" algn="l" defTabSz="904524" rtl="0" eaLnBrk="1" latinLnBrk="0" hangingPunct="1">
+        <a:defRPr sz="1781" kern="1200">
           <a:solidFill>
             <a:schemeClr val="tx1"/>
           </a:solidFill>
@@ -2894,8 +2896,8 @@
           <a:cs typeface="+mn-cs"/>
         </a:defRPr>
       </a:lvl4pPr>
-      <a:lvl5pPr marL="1433779" algn="l" defTabSz="716890" rtl="0" eaLnBrk="1" latinLnBrk="0" hangingPunct="1">
-        <a:defRPr sz="1411" kern="1200">
+      <a:lvl5pPr marL="1809049" algn="l" defTabSz="904524" rtl="0" eaLnBrk="1" latinLnBrk="0" hangingPunct="1">
+        <a:defRPr sz="1781" kern="1200">
           <a:solidFill>
             <a:schemeClr val="tx1"/>
           </a:solidFill>
@@ -2904,8 +2906,8 @@
           <a:cs typeface="+mn-cs"/>
         </a:defRPr>
       </a:lvl5pPr>
-      <a:lvl6pPr marL="1792224" algn="l" defTabSz="716890" rtl="0" eaLnBrk="1" latinLnBrk="0" hangingPunct="1">
-        <a:defRPr sz="1411" kern="1200">
+      <a:lvl6pPr marL="2261311" algn="l" defTabSz="904524" rtl="0" eaLnBrk="1" latinLnBrk="0" hangingPunct="1">
+        <a:defRPr sz="1781" kern="1200">
           <a:solidFill>
             <a:schemeClr val="tx1"/>
           </a:solidFill>
@@ -2914,8 +2916,8 @@
           <a:cs typeface="+mn-cs"/>
         </a:defRPr>
       </a:lvl6pPr>
-      <a:lvl7pPr marL="2150669" algn="l" defTabSz="716890" rtl="0" eaLnBrk="1" latinLnBrk="0" hangingPunct="1">
-        <a:defRPr sz="1411" kern="1200">
+      <a:lvl7pPr marL="2713573" algn="l" defTabSz="904524" rtl="0" eaLnBrk="1" latinLnBrk="0" hangingPunct="1">
+        <a:defRPr sz="1781" kern="1200">
           <a:solidFill>
             <a:schemeClr val="tx1"/>
           </a:solidFill>
@@ -2924,8 +2926,8 @@
           <a:cs typeface="+mn-cs"/>
         </a:defRPr>
       </a:lvl7pPr>
-      <a:lvl8pPr marL="2509114" algn="l" defTabSz="716890" rtl="0" eaLnBrk="1" latinLnBrk="0" hangingPunct="1">
-        <a:defRPr sz="1411" kern="1200">
+      <a:lvl8pPr marL="3165836" algn="l" defTabSz="904524" rtl="0" eaLnBrk="1" latinLnBrk="0" hangingPunct="1">
+        <a:defRPr sz="1781" kern="1200">
           <a:solidFill>
             <a:schemeClr val="tx1"/>
           </a:solidFill>
@@ -2934,8 +2936,8 @@
           <a:cs typeface="+mn-cs"/>
         </a:defRPr>
       </a:lvl8pPr>
-      <a:lvl9pPr marL="2867558" algn="l" defTabSz="716890" rtl="0" eaLnBrk="1" latinLnBrk="0" hangingPunct="1">
-        <a:defRPr sz="1411" kern="1200">
+      <a:lvl9pPr marL="3618098" algn="l" defTabSz="904524" rtl="0" eaLnBrk="1" latinLnBrk="0" hangingPunct="1">
+        <a:defRPr sz="1781" kern="1200">
           <a:solidFill>
             <a:schemeClr val="tx1"/>
           </a:solidFill>
@@ -2994,8 +2996,8 @@
         </p:blipFill>
         <p:spPr>
           <a:xfrm>
-            <a:off x="-2" y="0"/>
-            <a:ext cx="7169151" cy="4779434"/>
+            <a:off x="-1" y="-1"/>
+            <a:ext cx="12060239" cy="6868845"/>
           </a:xfrm>
           <a:prstGeom prst="rect">
             <a:avLst/>
